--- a/cases/pots.pptx
+++ b/cases/pots.pptx
@@ -14,6 +14,25 @@
     <p:sldId id="262" r:id="rId8"/>
     <p:sldId id="263" r:id="rId9"/>
     <p:sldId id="264" r:id="rId10"/>
+    <p:sldId id="265" r:id="rId11"/>
+    <p:sldId id="266" r:id="rId12"/>
+    <p:sldId id="267" r:id="rId13"/>
+    <p:sldId id="268" r:id="rId14"/>
+    <p:sldId id="269" r:id="rId15"/>
+    <p:sldId id="270" r:id="rId16"/>
+    <p:sldId id="271" r:id="rId17"/>
+    <p:sldId id="272" r:id="rId18"/>
+    <p:sldId id="273" r:id="rId19"/>
+    <p:sldId id="274" r:id="rId20"/>
+    <p:sldId id="275" r:id="rId21"/>
+    <p:sldId id="276" r:id="rId22"/>
+    <p:sldId id="277" r:id="rId23"/>
+    <p:sldId id="278" r:id="rId24"/>
+    <p:sldId id="279" r:id="rId25"/>
+    <p:sldId id="280" r:id="rId26"/>
+    <p:sldId id="281" r:id="rId27"/>
+    <p:sldId id="282" r:id="rId28"/>
+    <p:sldId id="283" r:id="rId29"/>
   </p:sldIdLst>
   <p:sldSz cx="9144000" cy="5143500" type="screen16x9"/>
   <p:notesSz cx="6858000" cy="9144000"/>
@@ -3155,7 +3174,672 @@
             <a:br/>
             <a:r>
               <a:rPr/>
-              <a:t>Your Name</a:t>
+              <a:t>Lawrence Richer</a:t>
+            </a:r>
+          </a:p>
+        </p:txBody>
+      </p:sp>
+    </p:spTree>
+  </p:cSld>
+</p:sld>
+</file>
+
+<file path=ppt/slides/slide10.xml><?xml version="1.0" encoding="utf-8"?>
+<p:sld xmlns:a="http://schemas.openxmlformats.org/drawingml/2006/main" xmlns:r="http://schemas.openxmlformats.org/officeDocument/2006/relationships" xmlns:p="http://schemas.openxmlformats.org/presentationml/2006/main">
+  <p:cSld>
+    <p:spTree>
+      <p:nvGrpSpPr>
+        <p:cNvPr id="1" name=""/>
+        <p:cNvGrpSpPr/>
+        <p:nvPr/>
+      </p:nvGrpSpPr>
+      <p:grpSpPr>
+        <a:xfrm>
+          <a:off x="0" y="0"/>
+          <a:ext cx="0" cy="0"/>
+          <a:chOff x="0" y="0"/>
+          <a:chExt cx="0" cy="0"/>
+        </a:xfrm>
+      </p:grpSpPr>
+      <p:sp>
+        <p:nvSpPr>
+          <p:cNvPr id="2" name="Title 1"/>
+          <p:cNvSpPr>
+            <a:spLocks noGrp="1"/>
+          </p:cNvSpPr>
+          <p:nvPr>
+            <p:ph type="title"/>
+          </p:nvPr>
+        </p:nvSpPr>
+        <p:spPr>
+          <a:xfrm>
+            <a:off x="722313" y="3305176"/>
+            <a:ext cx="7772400" cy="1021556"/>
+          </a:xfrm>
+        </p:spPr>
+        <p:txBody>
+          <a:bodyPr/>
+          <a:lstStyle/>
+          <a:p>
+            <a:pPr lvl="0" indent="0" marL="0">
+              <a:buNone/>
+            </a:pPr>
+            <a:r>
+              <a:rPr/>
+              <a:t>Social History</a:t>
+            </a:r>
+          </a:p>
+        </p:txBody>
+      </p:sp>
+    </p:spTree>
+  </p:cSld>
+</p:sld>
+</file>
+
+<file path=ppt/slides/slide11.xml><?xml version="1.0" encoding="utf-8"?>
+<p:sld xmlns:a="http://schemas.openxmlformats.org/drawingml/2006/main" xmlns:r="http://schemas.openxmlformats.org/officeDocument/2006/relationships" xmlns:p="http://schemas.openxmlformats.org/presentationml/2006/main">
+  <p:cSld>
+    <p:spTree>
+      <p:nvGrpSpPr>
+        <p:cNvPr id="1" name=""/>
+        <p:cNvGrpSpPr/>
+        <p:nvPr/>
+      </p:nvGrpSpPr>
+      <p:grpSpPr>
+        <a:xfrm>
+          <a:off x="0" y="0"/>
+          <a:ext cx="0" cy="0"/>
+          <a:chOff x="0" y="0"/>
+          <a:chExt cx="0" cy="0"/>
+        </a:xfrm>
+      </p:grpSpPr>
+      <p:sp>
+        <p:nvSpPr>
+          <p:cNvPr id="3" name="Content Placeholder 2"/>
+          <p:cNvSpPr>
+            <a:spLocks noGrp="1"/>
+          </p:cNvSpPr>
+          <p:nvPr>
+            <p:ph idx="1"/>
+          </p:nvPr>
+        </p:nvSpPr>
+        <p:spPr/>
+        <p:txBody>
+          <a:bodyPr/>
+          <a:lstStyle/>
+          <a:p>
+            <a:pPr lvl="0"/>
+            <a:r>
+              <a:rPr/>
+              <a:t>High-achieving student; recent cutback in sports due to fatigue.</a:t>
+            </a:r>
+          </a:p>
+        </p:txBody>
+      </p:sp>
+    </p:spTree>
+  </p:cSld>
+</p:sld>
+</file>
+
+<file path=ppt/slides/slide12.xml><?xml version="1.0" encoding="utf-8"?>
+<p:sld xmlns:a="http://schemas.openxmlformats.org/drawingml/2006/main" xmlns:r="http://schemas.openxmlformats.org/officeDocument/2006/relationships" xmlns:p="http://schemas.openxmlformats.org/presentationml/2006/main">
+  <p:cSld>
+    <p:spTree>
+      <p:nvGrpSpPr>
+        <p:cNvPr id="1" name=""/>
+        <p:cNvGrpSpPr/>
+        <p:nvPr/>
+      </p:nvGrpSpPr>
+      <p:grpSpPr>
+        <a:xfrm>
+          <a:off x="0" y="0"/>
+          <a:ext cx="0" cy="0"/>
+          <a:chOff x="0" y="0"/>
+          <a:chExt cx="0" cy="0"/>
+        </a:xfrm>
+      </p:grpSpPr>
+      <p:sp>
+        <p:nvSpPr>
+          <p:cNvPr id="2" name="Title 1"/>
+          <p:cNvSpPr>
+            <a:spLocks noGrp="1"/>
+          </p:cNvSpPr>
+          <p:nvPr>
+            <p:ph type="title"/>
+          </p:nvPr>
+        </p:nvSpPr>
+        <p:spPr>
+          <a:xfrm>
+            <a:off x="722313" y="3305176"/>
+            <a:ext cx="7772400" cy="1021556"/>
+          </a:xfrm>
+        </p:spPr>
+        <p:txBody>
+          <a:bodyPr/>
+          <a:lstStyle/>
+          <a:p>
+            <a:pPr lvl="0" indent="0" marL="0">
+              <a:buNone/>
+            </a:pPr>
+            <a:r>
+              <a:rPr/>
+              <a:t>Review of Systems</a:t>
+            </a:r>
+          </a:p>
+        </p:txBody>
+      </p:sp>
+    </p:spTree>
+  </p:cSld>
+</p:sld>
+</file>
+
+<file path=ppt/slides/slide13.xml><?xml version="1.0" encoding="utf-8"?>
+<p:sld xmlns:a="http://schemas.openxmlformats.org/drawingml/2006/main" xmlns:r="http://schemas.openxmlformats.org/officeDocument/2006/relationships" xmlns:p="http://schemas.openxmlformats.org/presentationml/2006/main">
+  <p:cSld>
+    <p:spTree>
+      <p:nvGrpSpPr>
+        <p:cNvPr id="1" name=""/>
+        <p:cNvGrpSpPr/>
+        <p:nvPr/>
+      </p:nvGrpSpPr>
+      <p:grpSpPr>
+        <a:xfrm>
+          <a:off x="0" y="0"/>
+          <a:ext cx="0" cy="0"/>
+          <a:chOff x="0" y="0"/>
+          <a:chExt cx="0" cy="0"/>
+        </a:xfrm>
+      </p:grpSpPr>
+      <p:sp>
+        <p:nvSpPr>
+          <p:cNvPr id="3" name="Content Placeholder 2"/>
+          <p:cNvSpPr>
+            <a:spLocks noGrp="1"/>
+          </p:cNvSpPr>
+          <p:nvPr>
+            <p:ph idx="1"/>
+          </p:nvPr>
+        </p:nvSpPr>
+        <p:spPr/>
+        <p:txBody>
+          <a:bodyPr/>
+          <a:lstStyle/>
+          <a:p>
+            <a:pPr lvl="0"/>
+            <a:r>
+              <a:rPr/>
+              <a:t>Denies chest pain, shortness of breath, or visual changes.</a:t>
+            </a:r>
+          </a:p>
+          <a:p>
+            <a:pPr lvl="0"/>
+            <a:r>
+              <a:rPr/>
+              <a:t>Reports occasional abdominal discomfort and constipation.</a:t>
+            </a:r>
+          </a:p>
+        </p:txBody>
+      </p:sp>
+    </p:spTree>
+  </p:cSld>
+</p:sld>
+</file>
+
+<file path=ppt/slides/slide14.xml><?xml version="1.0" encoding="utf-8"?>
+<p:sld xmlns:a="http://schemas.openxmlformats.org/drawingml/2006/main" xmlns:r="http://schemas.openxmlformats.org/officeDocument/2006/relationships" xmlns:p="http://schemas.openxmlformats.org/presentationml/2006/main">
+  <p:cSld>
+    <p:spTree>
+      <p:nvGrpSpPr>
+        <p:cNvPr id="1" name=""/>
+        <p:cNvGrpSpPr/>
+        <p:nvPr/>
+      </p:nvGrpSpPr>
+      <p:grpSpPr>
+        <a:xfrm>
+          <a:off x="0" y="0"/>
+          <a:ext cx="0" cy="0"/>
+          <a:chOff x="0" y="0"/>
+          <a:chExt cx="0" cy="0"/>
+        </a:xfrm>
+      </p:grpSpPr>
+      <p:sp>
+        <p:nvSpPr>
+          <p:cNvPr id="2" name="Title 1"/>
+          <p:cNvSpPr>
+            <a:spLocks noGrp="1"/>
+          </p:cNvSpPr>
+          <p:nvPr>
+            <p:ph type="title"/>
+          </p:nvPr>
+        </p:nvSpPr>
+        <p:spPr>
+          <a:xfrm>
+            <a:off x="722313" y="3305176"/>
+            <a:ext cx="7772400" cy="1021556"/>
+          </a:xfrm>
+        </p:spPr>
+        <p:txBody>
+          <a:bodyPr/>
+          <a:lstStyle/>
+          <a:p>
+            <a:pPr lvl="0" indent="0" marL="0">
+              <a:buNone/>
+            </a:pPr>
+            <a:r>
+              <a:rPr/>
+              <a:t>Physical Examination</a:t>
+            </a:r>
+          </a:p>
+        </p:txBody>
+      </p:sp>
+    </p:spTree>
+  </p:cSld>
+</p:sld>
+</file>
+
+<file path=ppt/slides/slide15.xml><?xml version="1.0" encoding="utf-8"?>
+<p:sld xmlns:a="http://schemas.openxmlformats.org/drawingml/2006/main" xmlns:r="http://schemas.openxmlformats.org/officeDocument/2006/relationships" xmlns:p="http://schemas.openxmlformats.org/presentationml/2006/main">
+  <p:cSld>
+    <p:spTree>
+      <p:nvGrpSpPr>
+        <p:cNvPr id="1" name=""/>
+        <p:cNvGrpSpPr/>
+        <p:nvPr/>
+      </p:nvGrpSpPr>
+      <p:grpSpPr>
+        <a:xfrm>
+          <a:off x="0" y="0"/>
+          <a:ext cx="0" cy="0"/>
+          <a:chOff x="0" y="0"/>
+          <a:chExt cx="0" cy="0"/>
+        </a:xfrm>
+      </p:grpSpPr>
+      <p:sp>
+        <p:nvSpPr>
+          <p:cNvPr id="2" name="Title 1"/>
+          <p:cNvSpPr>
+            <a:spLocks noGrp="1"/>
+          </p:cNvSpPr>
+          <p:nvPr>
+            <p:ph type="title"/>
+          </p:nvPr>
+        </p:nvSpPr>
+        <p:spPr/>
+        <p:txBody>
+          <a:bodyPr/>
+          <a:lstStyle/>
+          <a:p>
+            <a:pPr lvl="0" indent="0" marL="0">
+              <a:buNone/>
+            </a:pPr>
+            <a:r>
+              <a:rPr/>
+              <a:t>Vital Signs</a:t>
+            </a:r>
+          </a:p>
+        </p:txBody>
+      </p:sp>
+      <p:sp>
+        <p:nvSpPr>
+          <p:cNvPr id="3" name="Content Placeholder 2"/>
+          <p:cNvSpPr>
+            <a:spLocks noGrp="1"/>
+          </p:cNvSpPr>
+          <p:nvPr>
+            <p:ph idx="1"/>
+          </p:nvPr>
+        </p:nvSpPr>
+        <p:spPr/>
+        <p:txBody>
+          <a:bodyPr/>
+          <a:lstStyle/>
+          <a:p>
+            <a:pPr lvl="0"/>
+            <a:r>
+              <a:rPr b="1"/>
+              <a:t>Supine Vital Signs:</a:t>
+            </a:r>
+            <a:r>
+              <a:rPr/>
+              <a:t> HR 78 bpm, BP 110/70 mmHg</a:t>
+            </a:r>
+          </a:p>
+          <a:p>
+            <a:pPr lvl="0"/>
+            <a:r>
+              <a:rPr b="1"/>
+              <a:t>Standing (after 10 min):</a:t>
+            </a:r>
+            <a:r>
+              <a:rPr/>
+              <a:t> HR 130 bpm, BP 108/68 mmHg</a:t>
+            </a:r>
+          </a:p>
+          <a:p>
+            <a:pPr lvl="1"/>
+            <a:r>
+              <a:rPr/>
+              <a:t>Heart rate increase &gt; 40 bpm from supine to standing.</a:t>
+            </a:r>
+          </a:p>
+        </p:txBody>
+      </p:sp>
+    </p:spTree>
+  </p:cSld>
+</p:sld>
+</file>
+
+<file path=ppt/slides/slide16.xml><?xml version="1.0" encoding="utf-8"?>
+<p:sld xmlns:a="http://schemas.openxmlformats.org/drawingml/2006/main" xmlns:r="http://schemas.openxmlformats.org/officeDocument/2006/relationships" xmlns:p="http://schemas.openxmlformats.org/presentationml/2006/main">
+  <p:cSld>
+    <p:spTree>
+      <p:nvGrpSpPr>
+        <p:cNvPr id="1" name=""/>
+        <p:cNvGrpSpPr/>
+        <p:nvPr/>
+      </p:nvGrpSpPr>
+      <p:grpSpPr>
+        <a:xfrm>
+          <a:off x="0" y="0"/>
+          <a:ext cx="0" cy="0"/>
+          <a:chOff x="0" y="0"/>
+          <a:chExt cx="0" cy="0"/>
+        </a:xfrm>
+      </p:grpSpPr>
+      <p:sp>
+        <p:nvSpPr>
+          <p:cNvPr id="2" name="Title 1"/>
+          <p:cNvSpPr>
+            <a:spLocks noGrp="1"/>
+          </p:cNvSpPr>
+          <p:nvPr>
+            <p:ph type="title"/>
+          </p:nvPr>
+        </p:nvSpPr>
+        <p:spPr/>
+        <p:txBody>
+          <a:bodyPr/>
+          <a:lstStyle/>
+          <a:p>
+            <a:pPr lvl="0" indent="0" marL="0">
+              <a:buNone/>
+            </a:pPr>
+            <a:r>
+              <a:rPr/>
+              <a:t>Physical Findings</a:t>
+            </a:r>
+          </a:p>
+        </p:txBody>
+      </p:sp>
+      <p:sp>
+        <p:nvSpPr>
+          <p:cNvPr id="3" name="Content Placeholder 2"/>
+          <p:cNvSpPr>
+            <a:spLocks noGrp="1"/>
+          </p:cNvSpPr>
+          <p:nvPr>
+            <p:ph idx="1"/>
+          </p:nvPr>
+        </p:nvSpPr>
+        <p:spPr/>
+        <p:txBody>
+          <a:bodyPr/>
+          <a:lstStyle/>
+          <a:p>
+            <a:pPr lvl="0"/>
+            <a:r>
+              <a:rPr/>
+              <a:t>Normal cardiac and respiratory exam.</a:t>
+            </a:r>
+          </a:p>
+          <a:p>
+            <a:pPr lvl="0"/>
+            <a:r>
+              <a:rPr/>
+              <a:t>Neurological exam is normal.</a:t>
+            </a:r>
+          </a:p>
+          <a:p>
+            <a:pPr lvl="0"/>
+            <a:r>
+              <a:rPr/>
+              <a:t>Skin: mildly cool extremities, no rash.</a:t>
+            </a:r>
+          </a:p>
+        </p:txBody>
+      </p:sp>
+    </p:spTree>
+  </p:cSld>
+</p:sld>
+</file>
+
+<file path=ppt/slides/slide17.xml><?xml version="1.0" encoding="utf-8"?>
+<p:sld xmlns:a="http://schemas.openxmlformats.org/drawingml/2006/main" xmlns:r="http://schemas.openxmlformats.org/officeDocument/2006/relationships" xmlns:p="http://schemas.openxmlformats.org/presentationml/2006/main">
+  <p:cSld>
+    <p:spTree>
+      <p:nvGrpSpPr>
+        <p:cNvPr id="1" name=""/>
+        <p:cNvGrpSpPr/>
+        <p:nvPr/>
+      </p:nvGrpSpPr>
+      <p:grpSpPr>
+        <a:xfrm>
+          <a:off x="0" y="0"/>
+          <a:ext cx="0" cy="0"/>
+          <a:chOff x="0" y="0"/>
+          <a:chExt cx="0" cy="0"/>
+        </a:xfrm>
+      </p:grpSpPr>
+      <p:sp>
+        <p:nvSpPr>
+          <p:cNvPr id="2" name="Title 1"/>
+          <p:cNvSpPr>
+            <a:spLocks noGrp="1"/>
+          </p:cNvSpPr>
+          <p:nvPr>
+            <p:ph type="title"/>
+          </p:nvPr>
+        </p:nvSpPr>
+        <p:spPr>
+          <a:xfrm>
+            <a:off x="722313" y="3305176"/>
+            <a:ext cx="7772400" cy="1021556"/>
+          </a:xfrm>
+        </p:spPr>
+        <p:txBody>
+          <a:bodyPr/>
+          <a:lstStyle/>
+          <a:p>
+            <a:pPr lvl="0" indent="0" marL="0">
+              <a:buNone/>
+            </a:pPr>
+            <a:r>
+              <a:rPr/>
+              <a:t>Illustrative Questions and Answers</a:t>
+            </a:r>
+          </a:p>
+        </p:txBody>
+      </p:sp>
+    </p:spTree>
+  </p:cSld>
+</p:sld>
+</file>
+
+<file path=ppt/slides/slide18.xml><?xml version="1.0" encoding="utf-8"?>
+<p:sld xmlns:a="http://schemas.openxmlformats.org/drawingml/2006/main" xmlns:r="http://schemas.openxmlformats.org/officeDocument/2006/relationships" xmlns:p="http://schemas.openxmlformats.org/presentationml/2006/main">
+  <p:cSld>
+    <p:spTree>
+      <p:nvGrpSpPr>
+        <p:cNvPr id="1" name=""/>
+        <p:cNvGrpSpPr/>
+        <p:nvPr/>
+      </p:nvGrpSpPr>
+      <p:grpSpPr>
+        <a:xfrm>
+          <a:off x="0" y="0"/>
+          <a:ext cx="0" cy="0"/>
+          <a:chOff x="0" y="0"/>
+          <a:chExt cx="0" cy="0"/>
+        </a:xfrm>
+      </p:grpSpPr>
+      <p:sp>
+        <p:nvSpPr>
+          <p:cNvPr id="2" name="Title 1"/>
+          <p:cNvSpPr>
+            <a:spLocks noGrp="1"/>
+          </p:cNvSpPr>
+          <p:nvPr>
+            <p:ph type="title"/>
+          </p:nvPr>
+        </p:nvSpPr>
+        <p:spPr/>
+        <p:txBody>
+          <a:bodyPr/>
+          <a:lstStyle/>
+          <a:p>
+            <a:pPr lvl="0" indent="0" marL="0">
+              <a:buNone/>
+            </a:pPr>
+            <a:r>
+              <a:rPr/>
+              <a:t>Question 1: Most Likely Diagnosis?</a:t>
+            </a:r>
+          </a:p>
+        </p:txBody>
+      </p:sp>
+      <p:sp>
+        <p:nvSpPr>
+          <p:cNvPr id="3" name="Content Placeholder 2"/>
+          <p:cNvSpPr>
+            <a:spLocks noGrp="1"/>
+          </p:cNvSpPr>
+          <p:nvPr>
+            <p:ph idx="1"/>
+          </p:nvPr>
+        </p:nvSpPr>
+        <p:spPr/>
+        <p:txBody>
+          <a:bodyPr/>
+          <a:lstStyle/>
+          <a:p>
+            <a:pPr lvl="0"/>
+            <a:r>
+              <a:rPr b="1"/>
+              <a:t>Answer:</a:t>
+            </a:r>
+            <a:r>
+              <a:rPr/>
+              <a:t> Postural Orthostatic Tachycardia Syndrome (POTS)</a:t>
+            </a:r>
+          </a:p>
+          <a:p>
+            <a:pPr lvl="1"/>
+            <a:r>
+              <a:rPr/>
+              <a:t>Characterized by heart rate increase upon standing without significant hypotension.</a:t>
+            </a:r>
+          </a:p>
+          <a:p>
+            <a:pPr lvl="1"/>
+            <a:r>
+              <a:rPr/>
+              <a:t>Common symptoms include dizziness, fatigue, and palpitations.</a:t>
+            </a:r>
+          </a:p>
+        </p:txBody>
+      </p:sp>
+    </p:spTree>
+  </p:cSld>
+</p:sld>
+</file>
+
+<file path=ppt/slides/slide19.xml><?xml version="1.0" encoding="utf-8"?>
+<p:sld xmlns:a="http://schemas.openxmlformats.org/drawingml/2006/main" xmlns:r="http://schemas.openxmlformats.org/officeDocument/2006/relationships" xmlns:p="http://schemas.openxmlformats.org/presentationml/2006/main">
+  <p:cSld>
+    <p:spTree>
+      <p:nvGrpSpPr>
+        <p:cNvPr id="1" name=""/>
+        <p:cNvGrpSpPr/>
+        <p:nvPr/>
+      </p:nvGrpSpPr>
+      <p:grpSpPr>
+        <a:xfrm>
+          <a:off x="0" y="0"/>
+          <a:ext cx="0" cy="0"/>
+          <a:chOff x="0" y="0"/>
+          <a:chExt cx="0" cy="0"/>
+        </a:xfrm>
+      </p:grpSpPr>
+      <p:sp>
+        <p:nvSpPr>
+          <p:cNvPr id="2" name="Title 1"/>
+          <p:cNvSpPr>
+            <a:spLocks noGrp="1"/>
+          </p:cNvSpPr>
+          <p:nvPr>
+            <p:ph type="title"/>
+          </p:nvPr>
+        </p:nvSpPr>
+        <p:spPr/>
+        <p:txBody>
+          <a:bodyPr/>
+          <a:lstStyle/>
+          <a:p>
+            <a:pPr lvl="0" indent="0" marL="0">
+              <a:buNone/>
+            </a:pPr>
+            <a:r>
+              <a:rPr/>
+              <a:t>Question 2: Diagnostic Criteria for POTS</a:t>
+            </a:r>
+          </a:p>
+        </p:txBody>
+      </p:sp>
+      <p:sp>
+        <p:nvSpPr>
+          <p:cNvPr id="3" name="Content Placeholder 2"/>
+          <p:cNvSpPr>
+            <a:spLocks noGrp="1"/>
+          </p:cNvSpPr>
+          <p:nvPr>
+            <p:ph idx="1"/>
+          </p:nvPr>
+        </p:nvSpPr>
+        <p:spPr/>
+        <p:txBody>
+          <a:bodyPr/>
+          <a:lstStyle/>
+          <a:p>
+            <a:pPr lvl="0"/>
+            <a:r>
+              <a:rPr b="1"/>
+              <a:t>Heart rate increase:</a:t>
+            </a:r>
+            <a:r>
+              <a:rPr/>
+              <a:t> ≥30 bpm (or ≥40 bpm in adolescents) within 10 minutes of standing.</a:t>
+            </a:r>
+          </a:p>
+          <a:p>
+            <a:pPr lvl="0"/>
+            <a:r>
+              <a:rPr b="1"/>
+              <a:t>Symptoms:</a:t>
+            </a:r>
+            <a:r>
+              <a:rPr/>
+              <a:t> Lasting ≥6 months.</a:t>
+            </a:r>
+          </a:p>
+          <a:p>
+            <a:pPr lvl="0"/>
+            <a:r>
+              <a:rPr b="1"/>
+              <a:t>Exclusion of other causes:</a:t>
+            </a:r>
+            <a:r>
+              <a:rPr/>
+              <a:t> Rule out dehydration, medications, etc.</a:t>
             </a:r>
           </a:p>
         </p:txBody>
@@ -3217,6 +3901,786 @@
 </p:sld>
 </file>
 
+<file path=ppt/slides/slide20.xml><?xml version="1.0" encoding="utf-8"?>
+<p:sld xmlns:a="http://schemas.openxmlformats.org/drawingml/2006/main" xmlns:r="http://schemas.openxmlformats.org/officeDocument/2006/relationships" xmlns:p="http://schemas.openxmlformats.org/presentationml/2006/main">
+  <p:cSld>
+    <p:spTree>
+      <p:nvGrpSpPr>
+        <p:cNvPr id="1" name=""/>
+        <p:cNvGrpSpPr/>
+        <p:nvPr/>
+      </p:nvGrpSpPr>
+      <p:grpSpPr>
+        <a:xfrm>
+          <a:off x="0" y="0"/>
+          <a:ext cx="0" cy="0"/>
+          <a:chOff x="0" y="0"/>
+          <a:chExt cx="0" cy="0"/>
+        </a:xfrm>
+      </p:grpSpPr>
+      <p:sp>
+        <p:nvSpPr>
+          <p:cNvPr id="2" name="Title 1"/>
+          <p:cNvSpPr>
+            <a:spLocks noGrp="1"/>
+          </p:cNvSpPr>
+          <p:nvPr>
+            <p:ph type="title"/>
+          </p:nvPr>
+        </p:nvSpPr>
+        <p:spPr/>
+        <p:txBody>
+          <a:bodyPr/>
+          <a:lstStyle/>
+          <a:p>
+            <a:pPr lvl="0" indent="0" marL="0">
+              <a:buNone/>
+            </a:pPr>
+            <a:r>
+              <a:rPr/>
+              <a:t>Question 3: Initial Diagnostic Tests</a:t>
+            </a:r>
+          </a:p>
+        </p:txBody>
+      </p:sp>
+      <p:sp>
+        <p:nvSpPr>
+          <p:cNvPr id="3" name="Content Placeholder 2"/>
+          <p:cNvSpPr>
+            <a:spLocks noGrp="1"/>
+          </p:cNvSpPr>
+          <p:nvPr>
+            <p:ph idx="1"/>
+          </p:nvPr>
+        </p:nvSpPr>
+        <p:spPr/>
+        <p:txBody>
+          <a:bodyPr/>
+          <a:lstStyle/>
+          <a:p>
+            <a:pPr lvl="0"/>
+            <a:r>
+              <a:rPr b="1"/>
+              <a:t>Orthostatic Vital Signs</a:t>
+            </a:r>
+          </a:p>
+          <a:p>
+            <a:pPr lvl="0"/>
+            <a:r>
+              <a:rPr b="1"/>
+              <a:t>Head-Up Tilt Test (HUTT)</a:t>
+            </a:r>
+          </a:p>
+          <a:p>
+            <a:pPr lvl="0"/>
+            <a:r>
+              <a:rPr b="1"/>
+              <a:t>Blood Tests:</a:t>
+            </a:r>
+            <a:r>
+              <a:rPr/>
+              <a:t> Rule out anemia, electrolyte imbalances, thyroid dysfunction.</a:t>
+            </a:r>
+          </a:p>
+          <a:p>
+            <a:pPr lvl="0"/>
+            <a:r>
+              <a:rPr b="1"/>
+              <a:t>ECG:</a:t>
+            </a:r>
+            <a:r>
+              <a:rPr/>
+              <a:t> Rule out arrhythmias or structural abnormalities.</a:t>
+            </a:r>
+          </a:p>
+        </p:txBody>
+      </p:sp>
+    </p:spTree>
+  </p:cSld>
+</p:sld>
+</file>
+
+<file path=ppt/slides/slide21.xml><?xml version="1.0" encoding="utf-8"?>
+<p:sld xmlns:a="http://schemas.openxmlformats.org/drawingml/2006/main" xmlns:r="http://schemas.openxmlformats.org/officeDocument/2006/relationships" xmlns:p="http://schemas.openxmlformats.org/presentationml/2006/main">
+  <p:cSld>
+    <p:spTree>
+      <p:nvGrpSpPr>
+        <p:cNvPr id="1" name=""/>
+        <p:cNvGrpSpPr/>
+        <p:nvPr/>
+      </p:nvGrpSpPr>
+      <p:grpSpPr>
+        <a:xfrm>
+          <a:off x="0" y="0"/>
+          <a:ext cx="0" cy="0"/>
+          <a:chOff x="0" y="0"/>
+          <a:chExt cx="0" cy="0"/>
+        </a:xfrm>
+      </p:grpSpPr>
+      <p:sp>
+        <p:nvSpPr>
+          <p:cNvPr id="2" name="Title 1"/>
+          <p:cNvSpPr>
+            <a:spLocks noGrp="1"/>
+          </p:cNvSpPr>
+          <p:nvPr>
+            <p:ph type="title"/>
+          </p:nvPr>
+        </p:nvSpPr>
+        <p:spPr/>
+        <p:txBody>
+          <a:bodyPr/>
+          <a:lstStyle/>
+          <a:p>
+            <a:pPr lvl="0" indent="0" marL="0">
+              <a:buNone/>
+            </a:pPr>
+            <a:r>
+              <a:rPr/>
+              <a:t>Question 4: Role of Head-Up Tilt Test (HUTT)</a:t>
+            </a:r>
+          </a:p>
+        </p:txBody>
+      </p:sp>
+      <p:sp>
+        <p:nvSpPr>
+          <p:cNvPr id="3" name="Content Placeholder 2"/>
+          <p:cNvSpPr>
+            <a:spLocks noGrp="1"/>
+          </p:cNvSpPr>
+          <p:nvPr>
+            <p:ph idx="1"/>
+          </p:nvPr>
+        </p:nvSpPr>
+        <p:spPr/>
+        <p:txBody>
+          <a:bodyPr/>
+          <a:lstStyle/>
+          <a:p>
+            <a:pPr lvl="0"/>
+            <a:r>
+              <a:rPr b="1"/>
+              <a:t>Answer:</a:t>
+            </a:r>
+            <a:r>
+              <a:rPr/>
+              <a:t> Confirms diagnosis by showing HR increase without BP drop when tilted to 60–70 degrees.</a:t>
+            </a:r>
+          </a:p>
+        </p:txBody>
+      </p:sp>
+    </p:spTree>
+  </p:cSld>
+</p:sld>
+</file>
+
+<file path=ppt/slides/slide22.xml><?xml version="1.0" encoding="utf-8"?>
+<p:sld xmlns:a="http://schemas.openxmlformats.org/drawingml/2006/main" xmlns:r="http://schemas.openxmlformats.org/officeDocument/2006/relationships" xmlns:p="http://schemas.openxmlformats.org/presentationml/2006/main">
+  <p:cSld>
+    <p:spTree>
+      <p:nvGrpSpPr>
+        <p:cNvPr id="1" name=""/>
+        <p:cNvGrpSpPr/>
+        <p:nvPr/>
+      </p:nvGrpSpPr>
+      <p:grpSpPr>
+        <a:xfrm>
+          <a:off x="0" y="0"/>
+          <a:ext cx="0" cy="0"/>
+          <a:chOff x="0" y="0"/>
+          <a:chExt cx="0" cy="0"/>
+        </a:xfrm>
+      </p:grpSpPr>
+      <p:sp>
+        <p:nvSpPr>
+          <p:cNvPr id="2" name="Title 1"/>
+          <p:cNvSpPr>
+            <a:spLocks noGrp="1"/>
+          </p:cNvSpPr>
+          <p:nvPr>
+            <p:ph type="title"/>
+          </p:nvPr>
+        </p:nvSpPr>
+        <p:spPr/>
+        <p:txBody>
+          <a:bodyPr/>
+          <a:lstStyle/>
+          <a:p>
+            <a:pPr lvl="0" indent="0" marL="0">
+              <a:buNone/>
+            </a:pPr>
+            <a:r>
+              <a:rPr/>
+              <a:t>Question 5: Common Comorbid Conditions with POTS</a:t>
+            </a:r>
+          </a:p>
+        </p:txBody>
+      </p:sp>
+      <p:sp>
+        <p:nvSpPr>
+          <p:cNvPr id="3" name="Content Placeholder 2"/>
+          <p:cNvSpPr>
+            <a:spLocks noGrp="1"/>
+          </p:cNvSpPr>
+          <p:nvPr>
+            <p:ph idx="1"/>
+          </p:nvPr>
+        </p:nvSpPr>
+        <p:spPr/>
+        <p:txBody>
+          <a:bodyPr/>
+          <a:lstStyle/>
+          <a:p>
+            <a:pPr lvl="0"/>
+            <a:r>
+              <a:rPr/>
+              <a:t>Anxiety, migraines, irritable bowel syndrome (IBS), chronic fatigue syndrome.</a:t>
+            </a:r>
+          </a:p>
+          <a:p>
+            <a:pPr lvl="0"/>
+            <a:r>
+              <a:rPr/>
+              <a:t>Recognizing comorbidities aids holistic management.</a:t>
+            </a:r>
+          </a:p>
+        </p:txBody>
+      </p:sp>
+    </p:spTree>
+  </p:cSld>
+</p:sld>
+</file>
+
+<file path=ppt/slides/slide23.xml><?xml version="1.0" encoding="utf-8"?>
+<p:sld xmlns:a="http://schemas.openxmlformats.org/drawingml/2006/main" xmlns:r="http://schemas.openxmlformats.org/officeDocument/2006/relationships" xmlns:p="http://schemas.openxmlformats.org/presentationml/2006/main">
+  <p:cSld>
+    <p:spTree>
+      <p:nvGrpSpPr>
+        <p:cNvPr id="1" name=""/>
+        <p:cNvGrpSpPr/>
+        <p:nvPr/>
+      </p:nvGrpSpPr>
+      <p:grpSpPr>
+        <a:xfrm>
+          <a:off x="0" y="0"/>
+          <a:ext cx="0" cy="0"/>
+          <a:chOff x="0" y="0"/>
+          <a:chExt cx="0" cy="0"/>
+        </a:xfrm>
+      </p:grpSpPr>
+      <p:sp>
+        <p:nvSpPr>
+          <p:cNvPr id="2" name="Title 1"/>
+          <p:cNvSpPr>
+            <a:spLocks noGrp="1"/>
+          </p:cNvSpPr>
+          <p:nvPr>
+            <p:ph type="title"/>
+          </p:nvPr>
+        </p:nvSpPr>
+        <p:spPr/>
+        <p:txBody>
+          <a:bodyPr/>
+          <a:lstStyle/>
+          <a:p>
+            <a:pPr lvl="0" indent="0" marL="0">
+              <a:buNone/>
+            </a:pPr>
+            <a:r>
+              <a:rPr/>
+              <a:t>Question 6: Non-Pharmacologic Management</a:t>
+            </a:r>
+          </a:p>
+        </p:txBody>
+      </p:sp>
+      <p:sp>
+        <p:nvSpPr>
+          <p:cNvPr id="3" name="Content Placeholder 2"/>
+          <p:cNvSpPr>
+            <a:spLocks noGrp="1"/>
+          </p:cNvSpPr>
+          <p:nvPr>
+            <p:ph idx="1"/>
+          </p:nvPr>
+        </p:nvSpPr>
+        <p:spPr/>
+        <p:txBody>
+          <a:bodyPr/>
+          <a:lstStyle/>
+          <a:p>
+            <a:pPr lvl="0"/>
+            <a:r>
+              <a:rPr b="1"/>
+              <a:t>Hydration and salt:</a:t>
+            </a:r>
+            <a:r>
+              <a:rPr/>
+              <a:t> 2–3 liters of fluid and salt supplementation.</a:t>
+            </a:r>
+          </a:p>
+          <a:p>
+            <a:pPr lvl="0"/>
+            <a:r>
+              <a:rPr b="1"/>
+              <a:t>Physical reconditioning:</a:t>
+            </a:r>
+            <a:r>
+              <a:rPr/>
+              <a:t> Lower body strengthening exercises.</a:t>
+            </a:r>
+          </a:p>
+          <a:p>
+            <a:pPr lvl="0"/>
+            <a:r>
+              <a:rPr b="1"/>
+              <a:t>Compression garments:</a:t>
+            </a:r>
+            <a:r>
+              <a:rPr/>
+              <a:t> Supports venous return.</a:t>
+            </a:r>
+          </a:p>
+          <a:p>
+            <a:pPr lvl="0"/>
+            <a:r>
+              <a:rPr b="1"/>
+              <a:t>Small, frequent meals:</a:t>
+            </a:r>
+            <a:r>
+              <a:rPr/>
+              <a:t> Prevents postprandial symptoms.</a:t>
+            </a:r>
+          </a:p>
+          <a:p>
+            <a:pPr lvl="0"/>
+            <a:r>
+              <a:rPr b="1"/>
+              <a:t>Sleep hygiene and stress management.</a:t>
+            </a:r>
+          </a:p>
+        </p:txBody>
+      </p:sp>
+    </p:spTree>
+  </p:cSld>
+</p:sld>
+</file>
+
+<file path=ppt/slides/slide24.xml><?xml version="1.0" encoding="utf-8"?>
+<p:sld xmlns:a="http://schemas.openxmlformats.org/drawingml/2006/main" xmlns:r="http://schemas.openxmlformats.org/officeDocument/2006/relationships" xmlns:p="http://schemas.openxmlformats.org/presentationml/2006/main">
+  <p:cSld>
+    <p:spTree>
+      <p:nvGrpSpPr>
+        <p:cNvPr id="1" name=""/>
+        <p:cNvGrpSpPr/>
+        <p:nvPr/>
+      </p:nvGrpSpPr>
+      <p:grpSpPr>
+        <a:xfrm>
+          <a:off x="0" y="0"/>
+          <a:ext cx="0" cy="0"/>
+          <a:chOff x="0" y="0"/>
+          <a:chExt cx="0" cy="0"/>
+        </a:xfrm>
+      </p:grpSpPr>
+      <p:sp>
+        <p:nvSpPr>
+          <p:cNvPr id="2" name="Title 1"/>
+          <p:cNvSpPr>
+            <a:spLocks noGrp="1"/>
+          </p:cNvSpPr>
+          <p:nvPr>
+            <p:ph type="title"/>
+          </p:nvPr>
+        </p:nvSpPr>
+        <p:spPr/>
+        <p:txBody>
+          <a:bodyPr/>
+          <a:lstStyle/>
+          <a:p>
+            <a:pPr lvl="0" indent="0" marL="0">
+              <a:buNone/>
+            </a:pPr>
+            <a:r>
+              <a:rPr/>
+              <a:t>Question 7: Pharmacologic Management</a:t>
+            </a:r>
+          </a:p>
+        </p:txBody>
+      </p:sp>
+      <p:sp>
+        <p:nvSpPr>
+          <p:cNvPr id="3" name="Content Placeholder 2"/>
+          <p:cNvSpPr>
+            <a:spLocks noGrp="1"/>
+          </p:cNvSpPr>
+          <p:nvPr>
+            <p:ph idx="1"/>
+          </p:nvPr>
+        </p:nvSpPr>
+        <p:spPr/>
+        <p:txBody>
+          <a:bodyPr/>
+          <a:lstStyle/>
+          <a:p>
+            <a:pPr lvl="0"/>
+            <a:r>
+              <a:rPr/>
+              <a:t>Consider if significant symptoms persist.</a:t>
+            </a:r>
+          </a:p>
+          <a:p>
+            <a:pPr lvl="0"/>
+            <a:r>
+              <a:rPr b="1"/>
+              <a:t>Beta-blockers</a:t>
+            </a:r>
+            <a:r>
+              <a:rPr/>
+              <a:t> (e.g., propranolol) for tachycardia.</a:t>
+            </a:r>
+          </a:p>
+          <a:p>
+            <a:pPr lvl="0"/>
+            <a:r>
+              <a:rPr b="1"/>
+              <a:t>Midodrine</a:t>
+            </a:r>
+            <a:r>
+              <a:rPr/>
+              <a:t> for vasoconstriction support.</a:t>
+            </a:r>
+          </a:p>
+          <a:p>
+            <a:pPr lvl="0"/>
+            <a:r>
+              <a:rPr b="1"/>
+              <a:t>Fludrocortisone</a:t>
+            </a:r>
+            <a:r>
+              <a:rPr/>
+              <a:t> for volume expansion.</a:t>
+            </a:r>
+          </a:p>
+          <a:p>
+            <a:pPr lvl="0"/>
+            <a:r>
+              <a:rPr b="1"/>
+              <a:t>SSRIs/SNRIs</a:t>
+            </a:r>
+            <a:r>
+              <a:rPr/>
+              <a:t> for anxiety or dysautonomia symptoms.</a:t>
+            </a:r>
+          </a:p>
+        </p:txBody>
+      </p:sp>
+    </p:spTree>
+  </p:cSld>
+</p:sld>
+</file>
+
+<file path=ppt/slides/slide25.xml><?xml version="1.0" encoding="utf-8"?>
+<p:sld xmlns:a="http://schemas.openxmlformats.org/drawingml/2006/main" xmlns:r="http://schemas.openxmlformats.org/officeDocument/2006/relationships" xmlns:p="http://schemas.openxmlformats.org/presentationml/2006/main">
+  <p:cSld>
+    <p:spTree>
+      <p:nvGrpSpPr>
+        <p:cNvPr id="1" name=""/>
+        <p:cNvGrpSpPr/>
+        <p:nvPr/>
+      </p:nvGrpSpPr>
+      <p:grpSpPr>
+        <a:xfrm>
+          <a:off x="0" y="0"/>
+          <a:ext cx="0" cy="0"/>
+          <a:chOff x="0" y="0"/>
+          <a:chExt cx="0" cy="0"/>
+        </a:xfrm>
+      </p:grpSpPr>
+      <p:sp>
+        <p:nvSpPr>
+          <p:cNvPr id="2" name="Title 1"/>
+          <p:cNvSpPr>
+            <a:spLocks noGrp="1"/>
+          </p:cNvSpPr>
+          <p:nvPr>
+            <p:ph type="title"/>
+          </p:nvPr>
+        </p:nvSpPr>
+        <p:spPr/>
+        <p:txBody>
+          <a:bodyPr/>
+          <a:lstStyle/>
+          <a:p>
+            <a:pPr lvl="0" indent="0" marL="0">
+              <a:buNone/>
+            </a:pPr>
+            <a:r>
+              <a:rPr/>
+              <a:t>Management</a:t>
+            </a:r>
+          </a:p>
+        </p:txBody>
+      </p:sp>
+      <p:pic>
+        <p:nvPicPr>
+          <p:cNvPr descr="images/pots_management.png" id="0" name="Picture 1"/>
+          <p:cNvPicPr>
+            <a:picLocks noGrp="1" noChangeAspect="1"/>
+          </p:cNvPicPr>
+          <p:nvPr/>
+        </p:nvPicPr>
+        <p:blipFill>
+          <a:blip r:embed="rId2"/>
+          <a:stretch>
+            <a:fillRect/>
+          </a:stretch>
+        </p:blipFill>
+        <p:spPr bwMode="auto">
+          <a:xfrm>
+            <a:off x="1638300" y="1193800"/>
+            <a:ext cx="5854700" cy="2882900"/>
+          </a:xfrm>
+          <a:prstGeom prst="rect">
+            <a:avLst/>
+          </a:prstGeom>
+          <a:noFill/>
+          <a:ln w="9525">
+            <a:noFill/>
+            <a:headEnd/>
+            <a:tailEnd/>
+          </a:ln>
+        </p:spPr>
+      </p:pic>
+      <p:sp>
+        <p:nvSpPr>
+          <p:cNvPr id="1" name="TextBox 3"/>
+          <p:cNvSpPr txBox="1"/>
+          <p:nvPr/>
+        </p:nvSpPr>
+        <p:spPr>
+          <a:xfrm>
+            <a:off x="457200" y="4076700"/>
+            <a:ext cx="8229600" cy="508000"/>
+          </a:xfrm>
+          <a:prstGeom prst="rect">
+            <a:avLst/>
+          </a:prstGeom>
+          <a:noFill/>
+        </p:spPr>
+        <p:txBody>
+          <a:bodyPr/>
+          <a:lstStyle/>
+          <a:p>
+            <a:pPr lvl="0" indent="0" marL="0" algn="ctr">
+              <a:buNone/>
+            </a:pPr>
+            <a:r>
+              <a:rPr/>
+              <a:t>Management</a:t>
+            </a:r>
+          </a:p>
+        </p:txBody>
+      </p:sp>
+    </p:spTree>
+  </p:cSld>
+</p:sld>
+</file>
+
+<file path=ppt/slides/slide26.xml><?xml version="1.0" encoding="utf-8"?>
+<p:sld xmlns:a="http://schemas.openxmlformats.org/drawingml/2006/main" xmlns:r="http://schemas.openxmlformats.org/officeDocument/2006/relationships" xmlns:p="http://schemas.openxmlformats.org/presentationml/2006/main">
+  <p:cSld>
+    <p:spTree>
+      <p:nvGrpSpPr>
+        <p:cNvPr id="1" name=""/>
+        <p:cNvGrpSpPr/>
+        <p:nvPr/>
+      </p:nvGrpSpPr>
+      <p:grpSpPr>
+        <a:xfrm>
+          <a:off x="0" y="0"/>
+          <a:ext cx="0" cy="0"/>
+          <a:chOff x="0" y="0"/>
+          <a:chExt cx="0" cy="0"/>
+        </a:xfrm>
+      </p:grpSpPr>
+      <p:sp>
+        <p:nvSpPr>
+          <p:cNvPr id="2" name="Title 1"/>
+          <p:cNvSpPr>
+            <a:spLocks noGrp="1"/>
+          </p:cNvSpPr>
+          <p:nvPr>
+            <p:ph type="title"/>
+          </p:nvPr>
+        </p:nvSpPr>
+        <p:spPr/>
+        <p:txBody>
+          <a:bodyPr/>
+          <a:lstStyle/>
+          <a:p>
+            <a:pPr lvl="0" indent="0" marL="0">
+              <a:buNone/>
+            </a:pPr>
+            <a:r>
+              <a:rPr/>
+              <a:t>Question 8: Prognosis for Adolescents with POTS</a:t>
+            </a:r>
+          </a:p>
+        </p:txBody>
+      </p:sp>
+      <p:sp>
+        <p:nvSpPr>
+          <p:cNvPr id="3" name="Content Placeholder 2"/>
+          <p:cNvSpPr>
+            <a:spLocks noGrp="1"/>
+          </p:cNvSpPr>
+          <p:nvPr>
+            <p:ph idx="1"/>
+          </p:nvPr>
+        </p:nvSpPr>
+        <p:spPr/>
+        <p:txBody>
+          <a:bodyPr/>
+          <a:lstStyle/>
+          <a:p>
+            <a:pPr lvl="0"/>
+            <a:r>
+              <a:rPr/>
+              <a:t>Many improve with non-pharmacologic interventions.</a:t>
+            </a:r>
+          </a:p>
+          <a:p>
+            <a:pPr lvl="0"/>
+            <a:r>
+              <a:rPr/>
+              <a:t>Some experience symptom reduction or resolution by adulthood.</a:t>
+            </a:r>
+          </a:p>
+        </p:txBody>
+      </p:sp>
+    </p:spTree>
+  </p:cSld>
+</p:sld>
+</file>
+
+<file path=ppt/slides/slide27.xml><?xml version="1.0" encoding="utf-8"?>
+<p:sld xmlns:a="http://schemas.openxmlformats.org/drawingml/2006/main" xmlns:r="http://schemas.openxmlformats.org/officeDocument/2006/relationships" xmlns:p="http://schemas.openxmlformats.org/presentationml/2006/main">
+  <p:cSld>
+    <p:spTree>
+      <p:nvGrpSpPr>
+        <p:cNvPr id="1" name=""/>
+        <p:cNvGrpSpPr/>
+        <p:nvPr/>
+      </p:nvGrpSpPr>
+      <p:grpSpPr>
+        <a:xfrm>
+          <a:off x="0" y="0"/>
+          <a:ext cx="0" cy="0"/>
+          <a:chOff x="0" y="0"/>
+          <a:chExt cx="0" cy="0"/>
+        </a:xfrm>
+      </p:grpSpPr>
+      <p:sp>
+        <p:nvSpPr>
+          <p:cNvPr id="2" name="Title 1"/>
+          <p:cNvSpPr>
+            <a:spLocks noGrp="1"/>
+          </p:cNvSpPr>
+          <p:nvPr>
+            <p:ph type="title"/>
+          </p:nvPr>
+        </p:nvSpPr>
+        <p:spPr>
+          <a:xfrm>
+            <a:off x="722313" y="3305176"/>
+            <a:ext cx="7772400" cy="1021556"/>
+          </a:xfrm>
+        </p:spPr>
+        <p:txBody>
+          <a:bodyPr/>
+          <a:lstStyle/>
+          <a:p>
+            <a:pPr lvl="0" indent="0" marL="0">
+              <a:buNone/>
+            </a:pPr>
+            <a:r>
+              <a:rPr/>
+              <a:t>Summary Points for Teaching</a:t>
+            </a:r>
+          </a:p>
+        </p:txBody>
+      </p:sp>
+    </p:spTree>
+  </p:cSld>
+</p:sld>
+</file>
+
+<file path=ppt/slides/slide28.xml><?xml version="1.0" encoding="utf-8"?>
+<p:sld xmlns:a="http://schemas.openxmlformats.org/drawingml/2006/main" xmlns:r="http://schemas.openxmlformats.org/officeDocument/2006/relationships" xmlns:p="http://schemas.openxmlformats.org/presentationml/2006/main">
+  <p:cSld>
+    <p:spTree>
+      <p:nvGrpSpPr>
+        <p:cNvPr id="1" name=""/>
+        <p:cNvGrpSpPr/>
+        <p:nvPr/>
+      </p:nvGrpSpPr>
+      <p:grpSpPr>
+        <a:xfrm>
+          <a:off x="0" y="0"/>
+          <a:ext cx="0" cy="0"/>
+          <a:chOff x="0" y="0"/>
+          <a:chExt cx="0" cy="0"/>
+        </a:xfrm>
+      </p:grpSpPr>
+      <p:sp>
+        <p:nvSpPr>
+          <p:cNvPr id="3" name="Content Placeholder 2"/>
+          <p:cNvSpPr>
+            <a:spLocks noGrp="1"/>
+          </p:cNvSpPr>
+          <p:nvPr>
+            <p:ph idx="1"/>
+          </p:nvPr>
+        </p:nvSpPr>
+        <p:spPr/>
+        <p:txBody>
+          <a:bodyPr/>
+          <a:lstStyle/>
+          <a:p>
+            <a:pPr lvl="0"/>
+            <a:r>
+              <a:rPr/>
+              <a:t>POTS is a form of orthostatic intolerance with a hallmark HR increase upon standing.</a:t>
+            </a:r>
+          </a:p>
+          <a:p>
+            <a:pPr lvl="0"/>
+            <a:r>
+              <a:rPr/>
+              <a:t>More common in adolescents, particularly females.</a:t>
+            </a:r>
+          </a:p>
+          <a:p>
+            <a:pPr lvl="0"/>
+            <a:r>
+              <a:rPr/>
+              <a:t>Emphasis on hydration, salt intake, physical reconditioning, and adjunct medications if needed.</a:t>
+            </a:r>
+          </a:p>
+          <a:p>
+            <a:pPr lvl="0"/>
+            <a:r>
+              <a:rPr/>
+              <a:t>Educate on avoiding prolonged standing and rapid positional changes.</a:t>
+            </a:r>
+          </a:p>
+        </p:txBody>
+      </p:sp>
+    </p:spTree>
+  </p:cSld>
+</p:sld>
+</file>
+
 <file path=ppt/slides/slide3.xml><?xml version="1.0" encoding="utf-8"?>
 <p:sld xmlns:a="http://schemas.openxmlformats.org/drawingml/2006/main" xmlns:r="http://schemas.openxmlformats.org/officeDocument/2006/relationships" xmlns:p="http://schemas.openxmlformats.org/presentationml/2006/main">
   <p:cSld>
@@ -3234,174 +4698,62 @@
           <a:chExt cx="0" cy="0"/>
         </a:xfrm>
       </p:grpSpPr>
-      <p:sp>
-        <p:nvSpPr>
-          <p:cNvPr id="3" name="Content Placeholder 2"/>
-          <p:cNvSpPr>
-            <a:spLocks noGrp="1"/>
-          </p:cNvSpPr>
-          <p:nvPr>
-            <p:ph idx="1"/>
-          </p:nvPr>
-        </p:nvSpPr>
-        <p:spPr/>
-        <p:txBody>
-          <a:bodyPr/>
-          <a:lstStyle/>
-          <a:p>
-            <a:pPr lvl="0" indent="0" marL="0">
-              <a:spcBef>
-                <a:spcPts val="3000"/>
-              </a:spcBef>
+      <p:pic>
+        <p:nvPicPr>
+          <p:cNvPr descr="images/dizzy_man.png" id="0" name="Picture 1"/>
+          <p:cNvPicPr>
+            <a:picLocks noGrp="1" noChangeAspect="1"/>
+          </p:cNvPicPr>
+          <p:nvPr/>
+        </p:nvPicPr>
+        <p:blipFill>
+          <a:blip r:embed="rId2"/>
+          <a:stretch>
+            <a:fillRect/>
+          </a:stretch>
+        </p:blipFill>
+        <p:spPr bwMode="auto">
+          <a:xfrm>
+            <a:off x="3644900" y="1193800"/>
+            <a:ext cx="1854200" cy="2882900"/>
+          </a:xfrm>
+          <a:prstGeom prst="rect">
+            <a:avLst/>
+          </a:prstGeom>
+          <a:noFill/>
+          <a:ln w="9525">
+            <a:noFill/>
+            <a:headEnd/>
+            <a:tailEnd/>
+          </a:ln>
+        </p:spPr>
+      </p:pic>
+      <p:sp>
+        <p:nvSpPr>
+          <p:cNvPr id="1" name="TextBox 3"/>
+          <p:cNvSpPr txBox="1"/>
+          <p:nvPr/>
+        </p:nvSpPr>
+        <p:spPr>
+          <a:xfrm>
+            <a:off x="457200" y="4076700"/>
+            <a:ext cx="8229600" cy="508000"/>
+          </a:xfrm>
+          <a:prstGeom prst="rect">
+            <a:avLst/>
+          </a:prstGeom>
+          <a:noFill/>
+        </p:spPr>
+        <p:txBody>
+          <a:bodyPr/>
+          <a:lstStyle/>
+          <a:p>
+            <a:pPr lvl="0" indent="0" marL="0" algn="ctr">
               <a:buNone/>
             </a:pPr>
             <a:r>
-              <a:rPr b="1"/>
-              <a:t>Presenting Complaint</a:t>
-            </a:r>
-          </a:p>
-          <a:p>
-            <a:pPr lvl="0"/>
-            <a:r>
-              <a:rPr/>
-              <a:t>16-year-old girl with dizziness, palpitations, and fatigue, especially upon standing.</a:t>
-            </a:r>
-          </a:p>
-          <a:p>
-            <a:pPr lvl="0" indent="0" marL="0">
-              <a:spcBef>
-                <a:spcPts val="3000"/>
-              </a:spcBef>
-              <a:buNone/>
-            </a:pPr>
-            <a:r>
-              <a:rPr b="1"/>
-              <a:t>History of Present Illness</a:t>
-            </a:r>
-          </a:p>
-          <a:p>
-            <a:pPr lvl="0"/>
-            <a:r>
-              <a:rPr/>
-              <a:t>Symptoms began six months ago, progressively worsening.</a:t>
-            </a:r>
-          </a:p>
-          <a:p>
-            <a:pPr lvl="0"/>
-            <a:r>
-              <a:rPr/>
-              <a:t>Increased dizziness and palpitations in the morning.</a:t>
-            </a:r>
-          </a:p>
-          <a:p>
-            <a:pPr lvl="0"/>
-            <a:r>
-              <a:rPr/>
-              <a:t>Fatigue most days, affecting focus in school.</a:t>
-            </a:r>
-          </a:p>
-          <a:p>
-            <a:pPr lvl="0"/>
-            <a:r>
-              <a:rPr/>
-              <a:t>Near-syncope episodes without loss of consciousness.</a:t>
-            </a:r>
-          </a:p>
-          <a:p>
-            <a:pPr lvl="0"/>
-            <a:r>
-              <a:rPr/>
-              <a:t>Episodes last from seconds to minutes, relieved by lying down.</a:t>
-            </a:r>
-          </a:p>
-          <a:p>
-            <a:pPr lvl="0" indent="0" marL="0">
-              <a:spcBef>
-                <a:spcPts val="3000"/>
-              </a:spcBef>
-              <a:buNone/>
-            </a:pPr>
-            <a:r>
-              <a:rPr b="1"/>
-              <a:t>Past Medical History</a:t>
-            </a:r>
-          </a:p>
-          <a:p>
-            <a:pPr lvl="0"/>
-            <a:r>
-              <a:rPr/>
-              <a:t>History of anxiety, no other significant medical conditions.</a:t>
-            </a:r>
-          </a:p>
-          <a:p>
-            <a:pPr lvl="0"/>
-            <a:r>
-              <a:rPr/>
-              <a:t>No syncope, seizure, or head trauma.</a:t>
-            </a:r>
-          </a:p>
-          <a:p>
-            <a:pPr lvl="0" indent="0" marL="0">
-              <a:spcBef>
-                <a:spcPts val="3000"/>
-              </a:spcBef>
-              <a:buNone/>
-            </a:pPr>
-            <a:r>
-              <a:rPr b="1"/>
-              <a:t>Family History</a:t>
-            </a:r>
-          </a:p>
-          <a:p>
-            <a:pPr lvl="0"/>
-            <a:r>
-              <a:rPr/>
-              <a:t>Mother has migraines; sibling with anxiety.</a:t>
-            </a:r>
-          </a:p>
-          <a:p>
-            <a:pPr lvl="0" indent="0" marL="0">
-              <a:spcBef>
-                <a:spcPts val="3000"/>
-              </a:spcBef>
-              <a:buNone/>
-            </a:pPr>
-            <a:r>
-              <a:rPr b="1"/>
-              <a:t>Social History</a:t>
-            </a:r>
-          </a:p>
-          <a:p>
-            <a:pPr lvl="0"/>
-            <a:r>
-              <a:rPr/>
-              <a:t>High-achieving student; recent cutback in sports due to fatigue.</a:t>
-            </a:r>
-          </a:p>
-          <a:p>
-            <a:pPr lvl="0" indent="0" marL="0">
-              <a:spcBef>
-                <a:spcPts val="3000"/>
-              </a:spcBef>
-              <a:buNone/>
-            </a:pPr>
-            <a:r>
-              <a:rPr b="1"/>
-              <a:t>Review of Systems</a:t>
-            </a:r>
-          </a:p>
-          <a:p>
-            <a:pPr lvl="0"/>
-            <a:r>
-              <a:rPr/>
-              <a:t>Denies chest pain, shortness of breath, or visual changes.</a:t>
-            </a:r>
-          </a:p>
-          <a:p>
-            <a:pPr lvl="0"/>
-            <a:r>
-              <a:rPr/>
-              <a:t>Reports occasional abdominal discomfort and constipation.</a:t>
+              <a:rPr/>
+              <a:t>Dizzy Man</a:t>
             </a:r>
           </a:p>
         </p:txBody>
@@ -3438,12 +4790,7 @@
             <p:ph type="title"/>
           </p:nvPr>
         </p:nvSpPr>
-        <p:spPr>
-          <a:xfrm>
-            <a:off x="722313" y="3305176"/>
-            <a:ext cx="7772400" cy="1021556"/>
-          </a:xfrm>
-        </p:spPr>
+        <p:spPr/>
         <p:txBody>
           <a:bodyPr/>
           <a:lstStyle/>
@@ -3453,7 +4800,30 @@
             </a:pPr>
             <a:r>
               <a:rPr/>
-              <a:t>Physical Examination</a:t>
+              <a:t>Presenting Complaint</a:t>
+            </a:r>
+          </a:p>
+        </p:txBody>
+      </p:sp>
+      <p:sp>
+        <p:nvSpPr>
+          <p:cNvPr id="3" name="Content Placeholder 2"/>
+          <p:cNvSpPr>
+            <a:spLocks noGrp="1"/>
+          </p:cNvSpPr>
+          <p:nvPr>
+            <p:ph idx="1"/>
+          </p:nvPr>
+        </p:nvSpPr>
+        <p:spPr/>
+        <p:txBody>
+          <a:bodyPr/>
+          <a:lstStyle/>
+          <a:p>
+            <a:pPr lvl="0"/>
+            <a:r>
+              <a:rPr/>
+              <a:t>16-year-old girl with dizziness, palpitations, and fatigue, especially upon standing.</a:t>
             </a:r>
           </a:p>
         </p:txBody>
@@ -3482,6 +4852,31 @@
       </p:grpSpPr>
       <p:sp>
         <p:nvSpPr>
+          <p:cNvPr id="2" name="Title 1"/>
+          <p:cNvSpPr>
+            <a:spLocks noGrp="1"/>
+          </p:cNvSpPr>
+          <p:nvPr>
+            <p:ph type="title"/>
+          </p:nvPr>
+        </p:nvSpPr>
+        <p:spPr/>
+        <p:txBody>
+          <a:bodyPr/>
+          <a:lstStyle/>
+          <a:p>
+            <a:pPr lvl="0" indent="0" marL="0">
+              <a:buNone/>
+            </a:pPr>
+            <a:r>
+              <a:rPr/>
+              <a:t>History of Present Illness</a:t>
+            </a:r>
+          </a:p>
+        </p:txBody>
+      </p:sp>
+      <p:sp>
+        <p:nvSpPr>
           <p:cNvPr id="3" name="Content Placeholder 2"/>
           <p:cNvSpPr>
             <a:spLocks noGrp="1"/>
@@ -3497,51 +4892,36 @@
           <a:p>
             <a:pPr lvl="0"/>
             <a:r>
-              <a:rPr b="1"/>
-              <a:t>Supine Vital Signs:</a:t>
-            </a:r>
-            <a:r>
-              <a:rPr/>
-              <a:t> HR 78 bpm, BP 110/70 mmHg</a:t>
+              <a:rPr/>
+              <a:t>Symptoms began six months ago, progressively worsening.</a:t>
             </a:r>
           </a:p>
           <a:p>
             <a:pPr lvl="0"/>
             <a:r>
-              <a:rPr b="1"/>
-              <a:t>Standing (after 10 min):</a:t>
-            </a:r>
-            <a:r>
-              <a:rPr/>
-              <a:t> HR 130 bpm, BP 108/68 mmHg</a:t>
-            </a:r>
-          </a:p>
-          <a:p>
-            <a:pPr lvl="1"/>
-            <a:r>
-              <a:rPr/>
-              <a:t>Heart rate increase &gt; 40 bpm from supine to standing.</a:t>
+              <a:rPr/>
+              <a:t>Increased dizziness and palpitations in the morning.</a:t>
             </a:r>
           </a:p>
           <a:p>
             <a:pPr lvl="0"/>
             <a:r>
               <a:rPr/>
-              <a:t>Normal cardiac and respiratory exam.</a:t>
+              <a:t>Fatigue most days, affecting focus in school.</a:t>
             </a:r>
           </a:p>
           <a:p>
             <a:pPr lvl="0"/>
             <a:r>
               <a:rPr/>
-              <a:t>Neurological exam is normal.</a:t>
+              <a:t>Near-syncope episodes without loss of consciousness.</a:t>
             </a:r>
           </a:p>
           <a:p>
             <a:pPr lvl="0"/>
             <a:r>
               <a:rPr/>
-              <a:t>Skin: mildly cool extremities, no rash.</a:t>
+              <a:t>Episodes last from seconds to minutes, relieved by lying down.</a:t>
             </a:r>
           </a:p>
         </p:txBody>
@@ -3593,7 +4973,7 @@
             </a:pPr>
             <a:r>
               <a:rPr/>
-              <a:t>Illustrative Questions and Answers</a:t>
+              <a:t>Past Medical History</a:t>
             </a:r>
           </a:p>
         </p:txBody>
@@ -3635,343 +5015,17 @@
           <a:bodyPr/>
           <a:lstStyle/>
           <a:p>
-            <a:pPr lvl="0" indent="0" marL="0">
-              <a:spcBef>
-                <a:spcPts val="3000"/>
-              </a:spcBef>
-              <a:buNone/>
-            </a:pPr>
-            <a:r>
-              <a:rPr b="1"/>
-              <a:t>Question 1: What is the most likely diagnosis?</a:t>
-            </a:r>
-          </a:p>
-          <a:p>
             <a:pPr lvl="0"/>
             <a:r>
-              <a:rPr b="1"/>
-              <a:t>Answer:</a:t>
-            </a:r>
-            <a:r>
-              <a:rPr/>
-              <a:t> Postural Orthostatic Tachycardia Syndrome (POTS), characterized by a heart rate increase upon standing without significant hypotension, often with symptoms like dizziness, fatigue, and palpitations.</a:t>
-            </a:r>
-          </a:p>
-          <a:p>
-            <a:pPr lvl="0" indent="0" marL="0">
-              <a:spcBef>
-                <a:spcPts val="3000"/>
-              </a:spcBef>
-              <a:buNone/>
-            </a:pPr>
-            <a:r>
-              <a:rPr b="1"/>
-              <a:t>Question 2: What diagnostic criteria define POTS?</a:t>
+              <a:rPr/>
+              <a:t>History of anxiety, no other significant medical conditions.</a:t>
             </a:r>
           </a:p>
           <a:p>
             <a:pPr lvl="0"/>
             <a:r>
-              <a:rPr b="1"/>
-              <a:t>Answer:</a:t>
-            </a:r>
-          </a:p>
-          <a:p>
-            <a:pPr lvl="1"/>
-            <a:r>
-              <a:rPr/>
-              <a:t>Heart rate increase of ≥30 bpm (or ≥40 bpm in adolescents) within 10 minutes of standing or head-up tilt, without significant hypotension.</a:t>
-            </a:r>
-          </a:p>
-          <a:p>
-            <a:pPr lvl="1"/>
-            <a:r>
-              <a:rPr/>
-              <a:t>Symptoms lasting ≥6 months.</a:t>
-            </a:r>
-          </a:p>
-          <a:p>
-            <a:pPr lvl="1"/>
-            <a:r>
-              <a:rPr/>
-              <a:t>Exclusion of other causes.</a:t>
-            </a:r>
-          </a:p>
-          <a:p>
-            <a:pPr lvl="0" indent="0" marL="0">
-              <a:spcBef>
-                <a:spcPts val="3000"/>
-              </a:spcBef>
-              <a:buNone/>
-            </a:pPr>
-            <a:r>
-              <a:rPr b="1"/>
-              <a:t>Question 3: What initial diagnostic tests should be considered?</a:t>
-            </a:r>
-          </a:p>
-          <a:p>
-            <a:pPr lvl="0"/>
-            <a:r>
-              <a:rPr b="1"/>
-              <a:t>Answer:</a:t>
-            </a:r>
-          </a:p>
-          <a:p>
-            <a:pPr lvl="1"/>
-            <a:r>
-              <a:rPr b="1"/>
-              <a:t>Orthostatic Vital Signs</a:t>
-            </a:r>
-          </a:p>
-          <a:p>
-            <a:pPr lvl="1"/>
-            <a:r>
-              <a:rPr b="1"/>
-              <a:t>Head-Up Tilt Test (HUTT)</a:t>
-            </a:r>
-          </a:p>
-          <a:p>
-            <a:pPr lvl="1"/>
-            <a:r>
-              <a:rPr b="1"/>
-              <a:t>Blood Tests</a:t>
-            </a:r>
-            <a:r>
-              <a:rPr/>
-              <a:t> (to rule out secondary causes).</a:t>
-            </a:r>
-          </a:p>
-          <a:p>
-            <a:pPr lvl="1"/>
-            <a:r>
-              <a:rPr b="1"/>
-              <a:t>ECG</a:t>
-            </a:r>
-            <a:r>
-              <a:rPr/>
-              <a:t> (to rule out arrhythmias or structural abnormalities).</a:t>
-            </a:r>
-          </a:p>
-          <a:p>
-            <a:pPr lvl="0" indent="0" marL="0">
-              <a:spcBef>
-                <a:spcPts val="3000"/>
-              </a:spcBef>
-              <a:buNone/>
-            </a:pPr>
-            <a:r>
-              <a:rPr b="1"/>
-              <a:t>Question 4: How does the Head-Up Tilt Test (HUTT) support the diagnosis of POTS?</a:t>
-            </a:r>
-          </a:p>
-          <a:p>
-            <a:pPr lvl="0"/>
-            <a:r>
-              <a:rPr b="1"/>
-              <a:t>Answer:</a:t>
-            </a:r>
-            <a:r>
-              <a:rPr/>
-              <a:t> In POTS, HUTT typically shows a marked HR increase without BP drop when tilted to 60–70 degrees, confirming orthostatic intolerance.</a:t>
-            </a:r>
-          </a:p>
-          <a:p>
-            <a:pPr lvl="0" indent="0" marL="0">
-              <a:spcBef>
-                <a:spcPts val="3000"/>
-              </a:spcBef>
-              <a:buNone/>
-            </a:pPr>
-            <a:r>
-              <a:rPr b="1"/>
-              <a:t>Question 5: What are common comorbid conditions associated with POTS?</a:t>
-            </a:r>
-          </a:p>
-          <a:p>
-            <a:pPr lvl="0"/>
-            <a:r>
-              <a:rPr b="1"/>
-              <a:t>Answer:</a:t>
-            </a:r>
-            <a:r>
-              <a:rPr/>
-              <a:t> Anxiety, migraines, irritable bowel syndrome (IBS), and chronic fatigue syndrome.</a:t>
-            </a:r>
-          </a:p>
-          <a:p>
-            <a:pPr lvl="0" indent="0" marL="0">
-              <a:spcBef>
-                <a:spcPts val="3000"/>
-              </a:spcBef>
-              <a:buNone/>
-            </a:pPr>
-            <a:r>
-              <a:rPr b="1"/>
-              <a:t>Question 6: What are key components of non-pharmacologic management for POTS?</a:t>
-            </a:r>
-          </a:p>
-          <a:p>
-            <a:pPr lvl="0"/>
-            <a:r>
-              <a:rPr b="1"/>
-              <a:t>Answer:</a:t>
-            </a:r>
-          </a:p>
-          <a:p>
-            <a:pPr lvl="1"/>
-            <a:r>
-              <a:rPr b="1"/>
-              <a:t>Increased fluid intake</a:t>
-            </a:r>
-            <a:r>
-              <a:rPr/>
-              <a:t> (2–3 liters/day) and </a:t>
-            </a:r>
-            <a:r>
-              <a:rPr b="1"/>
-              <a:t>salt supplementation.</a:t>
-            </a:r>
-          </a:p>
-          <a:p>
-            <a:pPr lvl="1"/>
-            <a:r>
-              <a:rPr b="1"/>
-              <a:t>Physical reconditioning,</a:t>
-            </a:r>
-            <a:r>
-              <a:rPr/>
-              <a:t> especially lower body strength.</a:t>
-            </a:r>
-          </a:p>
-          <a:p>
-            <a:pPr lvl="1"/>
-            <a:r>
-              <a:rPr b="1"/>
-              <a:t>Compression garments.</a:t>
-            </a:r>
-          </a:p>
-          <a:p>
-            <a:pPr lvl="1"/>
-            <a:r>
-              <a:rPr b="1"/>
-              <a:t>Frequent small meals</a:t>
-            </a:r>
-            <a:r>
-              <a:rPr/>
-              <a:t> to prevent postprandial symptoms.</a:t>
-            </a:r>
-          </a:p>
-          <a:p>
-            <a:pPr lvl="1"/>
-            <a:r>
-              <a:rPr b="1"/>
-              <a:t>Sleep hygiene</a:t>
-            </a:r>
-            <a:r>
-              <a:rPr/>
-              <a:t> and </a:t>
-            </a:r>
-            <a:r>
-              <a:rPr b="1"/>
-              <a:t>stress management.</a:t>
-            </a:r>
-          </a:p>
-          <a:p>
-            <a:pPr lvl="0" indent="0" marL="0">
-              <a:spcBef>
-                <a:spcPts val="3000"/>
-              </a:spcBef>
-              <a:buNone/>
-            </a:pPr>
-            <a:r>
-              <a:rPr b="1"/>
-              <a:t>Question 7: When would pharmacologic management be considered, and what options are available?</a:t>
-            </a:r>
-          </a:p>
-          <a:p>
-            <a:pPr lvl="0"/>
-            <a:r>
-              <a:rPr b="1"/>
-              <a:t>Answer:</a:t>
-            </a:r>
-            <a:r>
-              <a:rPr/>
-              <a:t> For significant symptoms despite lifestyle changes. Options include:</a:t>
-            </a:r>
-          </a:p>
-          <a:p>
-            <a:pPr lvl="1"/>
-            <a:r>
-              <a:rPr b="1"/>
-              <a:t>Beta-blockers</a:t>
-            </a:r>
-            <a:r>
-              <a:rPr/>
-              <a:t> (e.g., propranolol).</a:t>
-            </a:r>
-          </a:p>
-          <a:p>
-            <a:pPr lvl="1"/>
-            <a:r>
-              <a:rPr b="1"/>
-              <a:t>Midodrine</a:t>
-            </a:r>
-            <a:r>
-              <a:rPr/>
-              <a:t> for vasoconstriction.</a:t>
-            </a:r>
-          </a:p>
-          <a:p>
-            <a:pPr lvl="1"/>
-            <a:r>
-              <a:rPr b="1"/>
-              <a:t>Fludrocortisone</a:t>
-            </a:r>
-            <a:r>
-              <a:rPr/>
-              <a:t> for volume expansion.</a:t>
-            </a:r>
-          </a:p>
-          <a:p>
-            <a:pPr lvl="1"/>
-            <a:r>
-              <a:rPr b="1"/>
-              <a:t>SSRIs</a:t>
-            </a:r>
-            <a:r>
-              <a:rPr/>
-              <a:t> or </a:t>
-            </a:r>
-            <a:r>
-              <a:rPr b="1"/>
-              <a:t>SNRIs</a:t>
-            </a:r>
-            <a:r>
-              <a:rPr/>
-              <a:t> for anxiety or dysautonomia.</a:t>
-            </a:r>
-          </a:p>
-          <a:p>
-            <a:pPr lvl="0" indent="0" marL="0">
-              <a:spcBef>
-                <a:spcPts val="3000"/>
-              </a:spcBef>
-              <a:buNone/>
-            </a:pPr>
-            <a:r>
-              <a:rPr b="1"/>
-              <a:t>Question 8: What is the prognosis for adolescents with POTS?</a:t>
-            </a:r>
-          </a:p>
-          <a:p>
-            <a:pPr lvl="0"/>
-            <a:r>
-              <a:rPr b="1"/>
-              <a:t>Answer:</a:t>
-            </a:r>
-            <a:r>
-              <a:rPr/>
-              <a:t> Many improve with time, especially with non-pharmacologic interventions, though some have chronic symptoms.</a:t>
+              <a:rPr/>
+              <a:t>No syncope, seizure, or head trauma.</a:t>
             </a:r>
           </a:p>
         </p:txBody>
@@ -4023,7 +5077,7 @@
             </a:pPr>
             <a:r>
               <a:rPr/>
-              <a:t>Summary Points for Teaching</a:t>
+              <a:t>Family History</a:t>
             </a:r>
           </a:p>
         </p:txBody>
@@ -4068,28 +5122,7 @@
             <a:pPr lvl="0"/>
             <a:r>
               <a:rPr/>
-              <a:t>POTS is a form of orthostatic intolerance with a hallmark HR increase upon standing.</a:t>
-            </a:r>
-          </a:p>
-          <a:p>
-            <a:pPr lvl="0"/>
-            <a:r>
-              <a:rPr/>
-              <a:t>More common in adolescents, particularly females.</a:t>
-            </a:r>
-          </a:p>
-          <a:p>
-            <a:pPr lvl="0"/>
-            <a:r>
-              <a:rPr/>
-              <a:t>Management emphasizes hydration, salt intake, and physical reconditioning, with medications as adjuncts.</a:t>
-            </a:r>
-          </a:p>
-          <a:p>
-            <a:pPr lvl="0"/>
-            <a:r>
-              <a:rPr/>
-              <a:t>Educate patients to avoid prolonged standing and rapid positional changes.</a:t>
+              <a:t>Mother has migraines; sibling with anxiety.</a:t>
             </a:r>
           </a:p>
         </p:txBody>
